--- a/lecture-materials/DeveloperTools/12-IaC-cloudformation-cdk-sdk/cloudformation.pptx
+++ b/lecture-materials/DeveloperTools/12-IaC-cloudformation-cdk-sdk/cloudformation.pptx
@@ -266,7 +266,7 @@
           <a:p>
             <a:fld id="{322C9020-58D6-4B4B-AE71-CBBD8D6FD410}" type="datetimeFigureOut">
               <a:rPr lang="en-CH" smtClean="0"/>
-              <a:t>03.12.2023</a:t>
+              <a:t>06.01.2024</a:t>
             </a:fld>
             <a:endParaRPr lang="en-CH"/>
           </a:p>
@@ -466,7 +466,7 @@
           <a:p>
             <a:fld id="{322C9020-58D6-4B4B-AE71-CBBD8D6FD410}" type="datetimeFigureOut">
               <a:rPr lang="en-CH" smtClean="0"/>
-              <a:t>03.12.2023</a:t>
+              <a:t>06.01.2024</a:t>
             </a:fld>
             <a:endParaRPr lang="en-CH"/>
           </a:p>
@@ -676,7 +676,7 @@
           <a:p>
             <a:fld id="{322C9020-58D6-4B4B-AE71-CBBD8D6FD410}" type="datetimeFigureOut">
               <a:rPr lang="en-CH" smtClean="0"/>
-              <a:t>03.12.2023</a:t>
+              <a:t>06.01.2024</a:t>
             </a:fld>
             <a:endParaRPr lang="en-CH"/>
           </a:p>
@@ -876,7 +876,7 @@
           <a:p>
             <a:fld id="{322C9020-58D6-4B4B-AE71-CBBD8D6FD410}" type="datetimeFigureOut">
               <a:rPr lang="en-CH" smtClean="0"/>
-              <a:t>03.12.2023</a:t>
+              <a:t>06.01.2024</a:t>
             </a:fld>
             <a:endParaRPr lang="en-CH"/>
           </a:p>
@@ -1152,7 +1152,7 @@
           <a:p>
             <a:fld id="{322C9020-58D6-4B4B-AE71-CBBD8D6FD410}" type="datetimeFigureOut">
               <a:rPr lang="en-CH" smtClean="0"/>
-              <a:t>03.12.2023</a:t>
+              <a:t>06.01.2024</a:t>
             </a:fld>
             <a:endParaRPr lang="en-CH"/>
           </a:p>
@@ -1420,7 +1420,7 @@
           <a:p>
             <a:fld id="{322C9020-58D6-4B4B-AE71-CBBD8D6FD410}" type="datetimeFigureOut">
               <a:rPr lang="en-CH" smtClean="0"/>
-              <a:t>03.12.2023</a:t>
+              <a:t>06.01.2024</a:t>
             </a:fld>
             <a:endParaRPr lang="en-CH"/>
           </a:p>
@@ -1835,7 +1835,7 @@
           <a:p>
             <a:fld id="{322C9020-58D6-4B4B-AE71-CBBD8D6FD410}" type="datetimeFigureOut">
               <a:rPr lang="en-CH" smtClean="0"/>
-              <a:t>03.12.2023</a:t>
+              <a:t>06.01.2024</a:t>
             </a:fld>
             <a:endParaRPr lang="en-CH"/>
           </a:p>
@@ -1977,7 +1977,7 @@
           <a:p>
             <a:fld id="{322C9020-58D6-4B4B-AE71-CBBD8D6FD410}" type="datetimeFigureOut">
               <a:rPr lang="en-CH" smtClean="0"/>
-              <a:t>03.12.2023</a:t>
+              <a:t>06.01.2024</a:t>
             </a:fld>
             <a:endParaRPr lang="en-CH"/>
           </a:p>
@@ -2090,7 +2090,7 @@
           <a:p>
             <a:fld id="{322C9020-58D6-4B4B-AE71-CBBD8D6FD410}" type="datetimeFigureOut">
               <a:rPr lang="en-CH" smtClean="0"/>
-              <a:t>03.12.2023</a:t>
+              <a:t>06.01.2024</a:t>
             </a:fld>
             <a:endParaRPr lang="en-CH"/>
           </a:p>
@@ -2403,7 +2403,7 @@
           <a:p>
             <a:fld id="{322C9020-58D6-4B4B-AE71-CBBD8D6FD410}" type="datetimeFigureOut">
               <a:rPr lang="en-CH" smtClean="0"/>
-              <a:t>03.12.2023</a:t>
+              <a:t>06.01.2024</a:t>
             </a:fld>
             <a:endParaRPr lang="en-CH"/>
           </a:p>
@@ -2692,7 +2692,7 @@
           <a:p>
             <a:fld id="{322C9020-58D6-4B4B-AE71-CBBD8D6FD410}" type="datetimeFigureOut">
               <a:rPr lang="en-CH" smtClean="0"/>
-              <a:t>03.12.2023</a:t>
+              <a:t>06.01.2024</a:t>
             </a:fld>
             <a:endParaRPr lang="en-CH"/>
           </a:p>
@@ -2935,7 +2935,7 @@
           <a:p>
             <a:fld id="{322C9020-58D6-4B4B-AE71-CBBD8D6FD410}" type="datetimeFigureOut">
               <a:rPr lang="en-CH" smtClean="0"/>
-              <a:t>03.12.2023</a:t>
+              <a:t>06.01.2024</a:t>
             </a:fld>
             <a:endParaRPr lang="en-CH"/>
           </a:p>
@@ -6209,7 +6209,7 @@
               </a:spcAft>
             </a:pPr>
             <a:r>
-              <a:rPr lang="en-US" sz="2200" b="0" i="0" dirty="0">
+              <a:rPr lang="en-US" b="0" i="0" dirty="0">
                 <a:effectLst/>
               </a:rPr>
               <a:t>AWS CloudFormation lets you model, provision, and manage AWS and third-party resources by treating infrastructure as code.</a:t>
